--- a/Fihirana Fanampiny/FF 12.pptx
+++ b/Fihirana Fanampiny/FF 12.pptx
@@ -110,6 +110,22 @@
       </a:defRPr>
     </a:lvl9pPr>
   </p:defaultTextStyle>
+  <p:extLst>
+    <p:ext uri="{EFAFB233-063F-42B5-8137-9DF3F51BA10A}">
+      <p15:sldGuideLst xmlns:p15="http://schemas.microsoft.com/office/powerpoint/2012/main">
+        <p15:guide id="1" orient="horz" pos="1620">
+          <p15:clr>
+            <a:srgbClr val="A4A3A4"/>
+          </p15:clr>
+        </p15:guide>
+        <p15:guide id="2" pos="2880">
+          <p15:clr>
+            <a:srgbClr val="A4A3A4"/>
+          </p15:clr>
+        </p15:guide>
+      </p15:sldGuideLst>
+    </p:ext>
+  </p:extLst>
 </p:presentation>
 </file>
 
@@ -151,10 +167,9 @@
           <a:lstStyle/>
           <a:p>
             <a:r>
-              <a:rPr lang="fr-FR" smtClean="0"/>
+              <a:rPr lang="fr-FR"/>
               <a:t>Cliquez pour modifier le style du titre</a:t>
             </a:r>
-            <a:endParaRPr lang="fr-FR"/>
           </a:p>
         </p:txBody>
       </p:sp>
@@ -270,10 +285,9 @@
           </a:lstStyle>
           <a:p>
             <a:r>
-              <a:rPr lang="fr-FR" smtClean="0"/>
+              <a:rPr lang="fr-FR"/>
               <a:t>Cliquez pour modifier le style des sous-titres du masque</a:t>
             </a:r>
-            <a:endParaRPr lang="fr-FR"/>
           </a:p>
         </p:txBody>
       </p:sp>
@@ -294,7 +308,7 @@
           <a:p>
             <a:fld id="{8D2E68E7-4AF6-4A7D-94A9-97EFF15AC8F0}" type="datetimeFigureOut">
               <a:rPr lang="fr-FR" smtClean="0"/>
-              <a:t>10/08/2014</a:t>
+              <a:t>02/07/2023</a:t>
             </a:fld>
             <a:endParaRPr lang="fr-FR"/>
           </a:p>
@@ -383,10 +397,9 @@
           <a:lstStyle/>
           <a:p>
             <a:r>
-              <a:rPr lang="fr-FR" smtClean="0"/>
+              <a:rPr lang="fr-FR"/>
               <a:t>Cliquez pour modifier le style du titre</a:t>
             </a:r>
-            <a:endParaRPr lang="fr-FR"/>
           </a:p>
         </p:txBody>
       </p:sp>
@@ -407,38 +420,37 @@
           <a:p>
             <a:pPr lvl="0"/>
             <a:r>
-              <a:rPr lang="fr-FR" smtClean="0"/>
+              <a:rPr lang="fr-FR"/>
               <a:t>Cliquez pour modifier les styles du texte du masque</a:t>
             </a:r>
           </a:p>
           <a:p>
             <a:pPr lvl="1"/>
             <a:r>
-              <a:rPr lang="fr-FR" smtClean="0"/>
+              <a:rPr lang="fr-FR"/>
               <a:t>Deuxième niveau</a:t>
             </a:r>
           </a:p>
           <a:p>
             <a:pPr lvl="2"/>
             <a:r>
-              <a:rPr lang="fr-FR" smtClean="0"/>
+              <a:rPr lang="fr-FR"/>
               <a:t>Troisième niveau</a:t>
             </a:r>
           </a:p>
           <a:p>
             <a:pPr lvl="3"/>
             <a:r>
-              <a:rPr lang="fr-FR" smtClean="0"/>
+              <a:rPr lang="fr-FR"/>
               <a:t>Quatrième niveau</a:t>
             </a:r>
           </a:p>
           <a:p>
             <a:pPr lvl="4"/>
             <a:r>
-              <a:rPr lang="fr-FR" smtClean="0"/>
+              <a:rPr lang="fr-FR"/>
               <a:t>Cinquième niveau</a:t>
             </a:r>
-            <a:endParaRPr lang="fr-FR"/>
           </a:p>
         </p:txBody>
       </p:sp>
@@ -459,7 +471,7 @@
           <a:p>
             <a:fld id="{8D2E68E7-4AF6-4A7D-94A9-97EFF15AC8F0}" type="datetimeFigureOut">
               <a:rPr lang="fr-FR" smtClean="0"/>
-              <a:t>10/08/2014</a:t>
+              <a:t>02/07/2023</a:t>
             </a:fld>
             <a:endParaRPr lang="fr-FR"/>
           </a:p>
@@ -553,10 +565,9 @@
           <a:lstStyle/>
           <a:p>
             <a:r>
-              <a:rPr lang="fr-FR" smtClean="0"/>
+              <a:rPr lang="fr-FR"/>
               <a:t>Cliquez pour modifier le style du titre</a:t>
             </a:r>
-            <a:endParaRPr lang="fr-FR"/>
           </a:p>
         </p:txBody>
       </p:sp>
@@ -582,38 +593,37 @@
           <a:p>
             <a:pPr lvl="0"/>
             <a:r>
-              <a:rPr lang="fr-FR" smtClean="0"/>
+              <a:rPr lang="fr-FR"/>
               <a:t>Cliquez pour modifier les styles du texte du masque</a:t>
             </a:r>
           </a:p>
           <a:p>
             <a:pPr lvl="1"/>
             <a:r>
-              <a:rPr lang="fr-FR" smtClean="0"/>
+              <a:rPr lang="fr-FR"/>
               <a:t>Deuxième niveau</a:t>
             </a:r>
           </a:p>
           <a:p>
             <a:pPr lvl="2"/>
             <a:r>
-              <a:rPr lang="fr-FR" smtClean="0"/>
+              <a:rPr lang="fr-FR"/>
               <a:t>Troisième niveau</a:t>
             </a:r>
           </a:p>
           <a:p>
             <a:pPr lvl="3"/>
             <a:r>
-              <a:rPr lang="fr-FR" smtClean="0"/>
+              <a:rPr lang="fr-FR"/>
               <a:t>Quatrième niveau</a:t>
             </a:r>
           </a:p>
           <a:p>
             <a:pPr lvl="4"/>
             <a:r>
-              <a:rPr lang="fr-FR" smtClean="0"/>
+              <a:rPr lang="fr-FR"/>
               <a:t>Cinquième niveau</a:t>
             </a:r>
-            <a:endParaRPr lang="fr-FR"/>
           </a:p>
         </p:txBody>
       </p:sp>
@@ -634,7 +644,7 @@
           <a:p>
             <a:fld id="{8D2E68E7-4AF6-4A7D-94A9-97EFF15AC8F0}" type="datetimeFigureOut">
               <a:rPr lang="fr-FR" smtClean="0"/>
-              <a:t>10/08/2014</a:t>
+              <a:t>02/07/2023</a:t>
             </a:fld>
             <a:endParaRPr lang="fr-FR"/>
           </a:p>
@@ -723,10 +733,9 @@
           <a:lstStyle/>
           <a:p>
             <a:r>
-              <a:rPr lang="fr-FR" smtClean="0"/>
+              <a:rPr lang="fr-FR"/>
               <a:t>Cliquez pour modifier le style du titre</a:t>
             </a:r>
-            <a:endParaRPr lang="fr-FR"/>
           </a:p>
         </p:txBody>
       </p:sp>
@@ -747,38 +756,37 @@
           <a:p>
             <a:pPr lvl="0"/>
             <a:r>
-              <a:rPr lang="fr-FR" smtClean="0"/>
+              <a:rPr lang="fr-FR"/>
               <a:t>Cliquez pour modifier les styles du texte du masque</a:t>
             </a:r>
           </a:p>
           <a:p>
             <a:pPr lvl="1"/>
             <a:r>
-              <a:rPr lang="fr-FR" smtClean="0"/>
+              <a:rPr lang="fr-FR"/>
               <a:t>Deuxième niveau</a:t>
             </a:r>
           </a:p>
           <a:p>
             <a:pPr lvl="2"/>
             <a:r>
-              <a:rPr lang="fr-FR" smtClean="0"/>
+              <a:rPr lang="fr-FR"/>
               <a:t>Troisième niveau</a:t>
             </a:r>
           </a:p>
           <a:p>
             <a:pPr lvl="3"/>
             <a:r>
-              <a:rPr lang="fr-FR" smtClean="0"/>
+              <a:rPr lang="fr-FR"/>
               <a:t>Quatrième niveau</a:t>
             </a:r>
           </a:p>
           <a:p>
             <a:pPr lvl="4"/>
             <a:r>
-              <a:rPr lang="fr-FR" smtClean="0"/>
+              <a:rPr lang="fr-FR"/>
               <a:t>Cinquième niveau</a:t>
             </a:r>
-            <a:endParaRPr lang="fr-FR"/>
           </a:p>
         </p:txBody>
       </p:sp>
@@ -799,7 +807,7 @@
           <a:p>
             <a:fld id="{8D2E68E7-4AF6-4A7D-94A9-97EFF15AC8F0}" type="datetimeFigureOut">
               <a:rPr lang="fr-FR" smtClean="0"/>
-              <a:t>10/08/2014</a:t>
+              <a:t>02/07/2023</a:t>
             </a:fld>
             <a:endParaRPr lang="fr-FR"/>
           </a:p>
@@ -897,10 +905,9 @@
           </a:lstStyle>
           <a:p>
             <a:r>
-              <a:rPr lang="fr-FR" smtClean="0"/>
+              <a:rPr lang="fr-FR"/>
               <a:t>Cliquez pour modifier le style du titre</a:t>
             </a:r>
-            <a:endParaRPr lang="fr-FR"/>
           </a:p>
         </p:txBody>
       </p:sp>
@@ -1017,7 +1024,7 @@
           <a:p>
             <a:pPr lvl="0"/>
             <a:r>
-              <a:rPr lang="fr-FR" smtClean="0"/>
+              <a:rPr lang="fr-FR"/>
               <a:t>Cliquez pour modifier les styles du texte du masque</a:t>
             </a:r>
           </a:p>
@@ -1040,7 +1047,7 @@
           <a:p>
             <a:fld id="{8D2E68E7-4AF6-4A7D-94A9-97EFF15AC8F0}" type="datetimeFigureOut">
               <a:rPr lang="fr-FR" smtClean="0"/>
-              <a:t>10/08/2014</a:t>
+              <a:t>02/07/2023</a:t>
             </a:fld>
             <a:endParaRPr lang="fr-FR"/>
           </a:p>
@@ -1129,10 +1136,9 @@
           <a:lstStyle/>
           <a:p>
             <a:r>
-              <a:rPr lang="fr-FR" smtClean="0"/>
+              <a:rPr lang="fr-FR"/>
               <a:t>Cliquez pour modifier le style du titre</a:t>
             </a:r>
-            <a:endParaRPr lang="fr-FR"/>
           </a:p>
         </p:txBody>
       </p:sp>
@@ -1186,38 +1192,37 @@
           <a:p>
             <a:pPr lvl="0"/>
             <a:r>
-              <a:rPr lang="fr-FR" smtClean="0"/>
+              <a:rPr lang="fr-FR"/>
               <a:t>Cliquez pour modifier les styles du texte du masque</a:t>
             </a:r>
           </a:p>
           <a:p>
             <a:pPr lvl="1"/>
             <a:r>
-              <a:rPr lang="fr-FR" smtClean="0"/>
+              <a:rPr lang="fr-FR"/>
               <a:t>Deuxième niveau</a:t>
             </a:r>
           </a:p>
           <a:p>
             <a:pPr lvl="2"/>
             <a:r>
-              <a:rPr lang="fr-FR" smtClean="0"/>
+              <a:rPr lang="fr-FR"/>
               <a:t>Troisième niveau</a:t>
             </a:r>
           </a:p>
           <a:p>
             <a:pPr lvl="3"/>
             <a:r>
-              <a:rPr lang="fr-FR" smtClean="0"/>
+              <a:rPr lang="fr-FR"/>
               <a:t>Quatrième niveau</a:t>
             </a:r>
           </a:p>
           <a:p>
             <a:pPr lvl="4"/>
             <a:r>
-              <a:rPr lang="fr-FR" smtClean="0"/>
+              <a:rPr lang="fr-FR"/>
               <a:t>Cinquième niveau</a:t>
             </a:r>
-            <a:endParaRPr lang="fr-FR"/>
           </a:p>
         </p:txBody>
       </p:sp>
@@ -1271,38 +1276,37 @@
           <a:p>
             <a:pPr lvl="0"/>
             <a:r>
-              <a:rPr lang="fr-FR" smtClean="0"/>
+              <a:rPr lang="fr-FR"/>
               <a:t>Cliquez pour modifier les styles du texte du masque</a:t>
             </a:r>
           </a:p>
           <a:p>
             <a:pPr lvl="1"/>
             <a:r>
-              <a:rPr lang="fr-FR" smtClean="0"/>
+              <a:rPr lang="fr-FR"/>
               <a:t>Deuxième niveau</a:t>
             </a:r>
           </a:p>
           <a:p>
             <a:pPr lvl="2"/>
             <a:r>
-              <a:rPr lang="fr-FR" smtClean="0"/>
+              <a:rPr lang="fr-FR"/>
               <a:t>Troisième niveau</a:t>
             </a:r>
           </a:p>
           <a:p>
             <a:pPr lvl="3"/>
             <a:r>
-              <a:rPr lang="fr-FR" smtClean="0"/>
+              <a:rPr lang="fr-FR"/>
               <a:t>Quatrième niveau</a:t>
             </a:r>
           </a:p>
           <a:p>
             <a:pPr lvl="4"/>
             <a:r>
-              <a:rPr lang="fr-FR" smtClean="0"/>
+              <a:rPr lang="fr-FR"/>
               <a:t>Cinquième niveau</a:t>
             </a:r>
-            <a:endParaRPr lang="fr-FR"/>
           </a:p>
         </p:txBody>
       </p:sp>
@@ -1323,7 +1327,7 @@
           <a:p>
             <a:fld id="{8D2E68E7-4AF6-4A7D-94A9-97EFF15AC8F0}" type="datetimeFigureOut">
               <a:rPr lang="fr-FR" smtClean="0"/>
-              <a:t>10/08/2014</a:t>
+              <a:t>02/07/2023</a:t>
             </a:fld>
             <a:endParaRPr lang="fr-FR"/>
           </a:p>
@@ -1416,10 +1420,9 @@
           </a:lstStyle>
           <a:p>
             <a:r>
-              <a:rPr lang="fr-FR" smtClean="0"/>
+              <a:rPr lang="fr-FR"/>
               <a:t>Cliquez pour modifier le style du titre</a:t>
             </a:r>
-            <a:endParaRPr lang="fr-FR"/>
           </a:p>
         </p:txBody>
       </p:sp>
@@ -1482,7 +1485,7 @@
           <a:p>
             <a:pPr lvl="0"/>
             <a:r>
-              <a:rPr lang="fr-FR" smtClean="0"/>
+              <a:rPr lang="fr-FR"/>
               <a:t>Cliquez pour modifier les styles du texte du masque</a:t>
             </a:r>
           </a:p>
@@ -1538,38 +1541,37 @@
           <a:p>
             <a:pPr lvl="0"/>
             <a:r>
-              <a:rPr lang="fr-FR" smtClean="0"/>
+              <a:rPr lang="fr-FR"/>
               <a:t>Cliquez pour modifier les styles du texte du masque</a:t>
             </a:r>
           </a:p>
           <a:p>
             <a:pPr lvl="1"/>
             <a:r>
-              <a:rPr lang="fr-FR" smtClean="0"/>
+              <a:rPr lang="fr-FR"/>
               <a:t>Deuxième niveau</a:t>
             </a:r>
           </a:p>
           <a:p>
             <a:pPr lvl="2"/>
             <a:r>
-              <a:rPr lang="fr-FR" smtClean="0"/>
+              <a:rPr lang="fr-FR"/>
               <a:t>Troisième niveau</a:t>
             </a:r>
           </a:p>
           <a:p>
             <a:pPr lvl="3"/>
             <a:r>
-              <a:rPr lang="fr-FR" smtClean="0"/>
+              <a:rPr lang="fr-FR"/>
               <a:t>Quatrième niveau</a:t>
             </a:r>
           </a:p>
           <a:p>
             <a:pPr lvl="4"/>
             <a:r>
-              <a:rPr lang="fr-FR" smtClean="0"/>
+              <a:rPr lang="fr-FR"/>
               <a:t>Cinquième niveau</a:t>
             </a:r>
-            <a:endParaRPr lang="fr-FR"/>
           </a:p>
         </p:txBody>
       </p:sp>
@@ -1632,7 +1634,7 @@
           <a:p>
             <a:pPr lvl="0"/>
             <a:r>
-              <a:rPr lang="fr-FR" smtClean="0"/>
+              <a:rPr lang="fr-FR"/>
               <a:t>Cliquez pour modifier les styles du texte du masque</a:t>
             </a:r>
           </a:p>
@@ -1688,38 +1690,37 @@
           <a:p>
             <a:pPr lvl="0"/>
             <a:r>
-              <a:rPr lang="fr-FR" smtClean="0"/>
+              <a:rPr lang="fr-FR"/>
               <a:t>Cliquez pour modifier les styles du texte du masque</a:t>
             </a:r>
           </a:p>
           <a:p>
             <a:pPr lvl="1"/>
             <a:r>
-              <a:rPr lang="fr-FR" smtClean="0"/>
+              <a:rPr lang="fr-FR"/>
               <a:t>Deuxième niveau</a:t>
             </a:r>
           </a:p>
           <a:p>
             <a:pPr lvl="2"/>
             <a:r>
-              <a:rPr lang="fr-FR" smtClean="0"/>
+              <a:rPr lang="fr-FR"/>
               <a:t>Troisième niveau</a:t>
             </a:r>
           </a:p>
           <a:p>
             <a:pPr lvl="3"/>
             <a:r>
-              <a:rPr lang="fr-FR" smtClean="0"/>
+              <a:rPr lang="fr-FR"/>
               <a:t>Quatrième niveau</a:t>
             </a:r>
           </a:p>
           <a:p>
             <a:pPr lvl="4"/>
             <a:r>
-              <a:rPr lang="fr-FR" smtClean="0"/>
+              <a:rPr lang="fr-FR"/>
               <a:t>Cinquième niveau</a:t>
             </a:r>
-            <a:endParaRPr lang="fr-FR"/>
           </a:p>
         </p:txBody>
       </p:sp>
@@ -1740,7 +1741,7 @@
           <a:p>
             <a:fld id="{8D2E68E7-4AF6-4A7D-94A9-97EFF15AC8F0}" type="datetimeFigureOut">
               <a:rPr lang="fr-FR" smtClean="0"/>
-              <a:t>10/08/2014</a:t>
+              <a:t>02/07/2023</a:t>
             </a:fld>
             <a:endParaRPr lang="fr-FR"/>
           </a:p>
@@ -1829,10 +1830,9 @@
           <a:lstStyle/>
           <a:p>
             <a:r>
-              <a:rPr lang="fr-FR" smtClean="0"/>
+              <a:rPr lang="fr-FR"/>
               <a:t>Cliquez pour modifier le style du titre</a:t>
             </a:r>
-            <a:endParaRPr lang="fr-FR"/>
           </a:p>
         </p:txBody>
       </p:sp>
@@ -1853,7 +1853,7 @@
           <a:p>
             <a:fld id="{8D2E68E7-4AF6-4A7D-94A9-97EFF15AC8F0}" type="datetimeFigureOut">
               <a:rPr lang="fr-FR" smtClean="0"/>
-              <a:t>10/08/2014</a:t>
+              <a:t>02/07/2023</a:t>
             </a:fld>
             <a:endParaRPr lang="fr-FR"/>
           </a:p>
@@ -1943,7 +1943,7 @@
           <a:p>
             <a:fld id="{8D2E68E7-4AF6-4A7D-94A9-97EFF15AC8F0}" type="datetimeFigureOut">
               <a:rPr lang="fr-FR" smtClean="0"/>
-              <a:t>10/08/2014</a:t>
+              <a:t>02/07/2023</a:t>
             </a:fld>
             <a:endParaRPr lang="fr-FR"/>
           </a:p>
@@ -2041,10 +2041,9 @@
           </a:lstStyle>
           <a:p>
             <a:r>
-              <a:rPr lang="fr-FR" smtClean="0"/>
+              <a:rPr lang="fr-FR"/>
               <a:t>Cliquez pour modifier le style du titre</a:t>
             </a:r>
-            <a:endParaRPr lang="fr-FR"/>
           </a:p>
         </p:txBody>
       </p:sp>
@@ -2098,38 +2097,37 @@
           <a:p>
             <a:pPr lvl="0"/>
             <a:r>
-              <a:rPr lang="fr-FR" smtClean="0"/>
+              <a:rPr lang="fr-FR"/>
               <a:t>Cliquez pour modifier les styles du texte du masque</a:t>
             </a:r>
           </a:p>
           <a:p>
             <a:pPr lvl="1"/>
             <a:r>
-              <a:rPr lang="fr-FR" smtClean="0"/>
+              <a:rPr lang="fr-FR"/>
               <a:t>Deuxième niveau</a:t>
             </a:r>
           </a:p>
           <a:p>
             <a:pPr lvl="2"/>
             <a:r>
-              <a:rPr lang="fr-FR" smtClean="0"/>
+              <a:rPr lang="fr-FR"/>
               <a:t>Troisième niveau</a:t>
             </a:r>
           </a:p>
           <a:p>
             <a:pPr lvl="3"/>
             <a:r>
-              <a:rPr lang="fr-FR" smtClean="0"/>
+              <a:rPr lang="fr-FR"/>
               <a:t>Quatrième niveau</a:t>
             </a:r>
           </a:p>
           <a:p>
             <a:pPr lvl="4"/>
             <a:r>
-              <a:rPr lang="fr-FR" smtClean="0"/>
+              <a:rPr lang="fr-FR"/>
               <a:t>Cinquième niveau</a:t>
             </a:r>
-            <a:endParaRPr lang="fr-FR"/>
           </a:p>
         </p:txBody>
       </p:sp>
@@ -2192,7 +2190,7 @@
           <a:p>
             <a:pPr lvl="0"/>
             <a:r>
-              <a:rPr lang="fr-FR" smtClean="0"/>
+              <a:rPr lang="fr-FR"/>
               <a:t>Cliquez pour modifier les styles du texte du masque</a:t>
             </a:r>
           </a:p>
@@ -2215,7 +2213,7 @@
           <a:p>
             <a:fld id="{8D2E68E7-4AF6-4A7D-94A9-97EFF15AC8F0}" type="datetimeFigureOut">
               <a:rPr lang="fr-FR" smtClean="0"/>
-              <a:t>10/08/2014</a:t>
+              <a:t>02/07/2023</a:t>
             </a:fld>
             <a:endParaRPr lang="fr-FR"/>
           </a:p>
@@ -2313,10 +2311,9 @@
           </a:lstStyle>
           <a:p>
             <a:r>
-              <a:rPr lang="fr-FR" smtClean="0"/>
+              <a:rPr lang="fr-FR"/>
               <a:t>Cliquez pour modifier le style du titre</a:t>
             </a:r>
-            <a:endParaRPr lang="fr-FR"/>
           </a:p>
         </p:txBody>
       </p:sp>
@@ -2440,7 +2437,7 @@
           <a:p>
             <a:pPr lvl="0"/>
             <a:r>
-              <a:rPr lang="fr-FR" smtClean="0"/>
+              <a:rPr lang="fr-FR"/>
               <a:t>Cliquez pour modifier les styles du texte du masque</a:t>
             </a:r>
           </a:p>
@@ -2463,7 +2460,7 @@
           <a:p>
             <a:fld id="{8D2E68E7-4AF6-4A7D-94A9-97EFF15AC8F0}" type="datetimeFigureOut">
               <a:rPr lang="fr-FR" smtClean="0"/>
-              <a:t>10/08/2014</a:t>
+              <a:t>02/07/2023</a:t>
             </a:fld>
             <a:endParaRPr lang="fr-FR"/>
           </a:p>
@@ -2567,10 +2564,9 @@
           <a:lstStyle/>
           <a:p>
             <a:r>
-              <a:rPr lang="fr-FR" smtClean="0"/>
+              <a:rPr lang="fr-FR"/>
               <a:t>Cliquez pour modifier le style du titre</a:t>
             </a:r>
-            <a:endParaRPr lang="fr-FR"/>
           </a:p>
         </p:txBody>
       </p:sp>
@@ -2601,38 +2597,37 @@
           <a:p>
             <a:pPr lvl="0"/>
             <a:r>
-              <a:rPr lang="fr-FR" smtClean="0"/>
+              <a:rPr lang="fr-FR"/>
               <a:t>Cliquez pour modifier les styles du texte du masque</a:t>
             </a:r>
           </a:p>
           <a:p>
             <a:pPr lvl="1"/>
             <a:r>
-              <a:rPr lang="fr-FR" smtClean="0"/>
+              <a:rPr lang="fr-FR"/>
               <a:t>Deuxième niveau</a:t>
             </a:r>
           </a:p>
           <a:p>
             <a:pPr lvl="2"/>
             <a:r>
-              <a:rPr lang="fr-FR" smtClean="0"/>
+              <a:rPr lang="fr-FR"/>
               <a:t>Troisième niveau</a:t>
             </a:r>
           </a:p>
           <a:p>
             <a:pPr lvl="3"/>
             <a:r>
-              <a:rPr lang="fr-FR" smtClean="0"/>
+              <a:rPr lang="fr-FR"/>
               <a:t>Quatrième niveau</a:t>
             </a:r>
           </a:p>
           <a:p>
             <a:pPr lvl="4"/>
             <a:r>
-              <a:rPr lang="fr-FR" smtClean="0"/>
+              <a:rPr lang="fr-FR"/>
               <a:t>Cinquième niveau</a:t>
             </a:r>
-            <a:endParaRPr lang="fr-FR"/>
           </a:p>
         </p:txBody>
       </p:sp>
@@ -2671,7 +2666,7 @@
           <a:p>
             <a:fld id="{8D2E68E7-4AF6-4A7D-94A9-97EFF15AC8F0}" type="datetimeFigureOut">
               <a:rPr lang="fr-FR" smtClean="0"/>
-              <a:t>10/08/2014</a:t>
+              <a:t>02/07/2023</a:t>
             </a:fld>
             <a:endParaRPr lang="fr-FR"/>
           </a:p>
@@ -3064,14 +3059,11 @@
           <a:lstStyle/>
           <a:p>
             <a:r>
-              <a:rPr lang="fr-FR" sz="8800" b="1" dirty="0" smtClean="0">
+              <a:rPr lang="fr-FR" sz="8800" b="1" dirty="0">
                 <a:latin typeface="Box" pitchFamily="2" charset="0"/>
               </a:rPr>
               <a:t>FF 12</a:t>
             </a:r>
-            <a:endParaRPr lang="fr-FR" sz="8800" b="1" dirty="0">
-              <a:latin typeface="Box" pitchFamily="2" charset="0"/>
-            </a:endParaRPr>
           </a:p>
         </p:txBody>
       </p:sp>
@@ -3093,37 +3085,37 @@
           <a:lstStyle/>
           <a:p>
             <a:r>
-              <a:rPr lang="fr-FR" sz="6000" b="1" dirty="0" smtClean="0">
+              <a:rPr lang="fr-FR" sz="6000" b="1" dirty="0">
                 <a:latin typeface="Freestyle Script" pitchFamily="66" charset="0"/>
               </a:rPr>
               <a:t>Am-</a:t>
             </a:r>
             <a:r>
-              <a:rPr lang="fr-FR" sz="6000" b="1" dirty="0" err="1" smtClean="0">
+              <a:rPr lang="fr-FR" sz="6000" b="1" dirty="0" err="1">
                 <a:latin typeface="Freestyle Script" pitchFamily="66" charset="0"/>
               </a:rPr>
               <a:t>pelatananao</a:t>
             </a:r>
             <a:r>
-              <a:rPr lang="fr-FR" sz="6000" b="1" dirty="0" smtClean="0">
+              <a:rPr lang="fr-FR" sz="6000" b="1" dirty="0">
                 <a:latin typeface="Freestyle Script" pitchFamily="66" charset="0"/>
               </a:rPr>
               <a:t> </a:t>
             </a:r>
             <a:r>
-              <a:rPr lang="fr-FR" sz="6000" b="1" dirty="0" err="1" smtClean="0">
+              <a:rPr lang="fr-FR" sz="6000" b="1" dirty="0" err="1">
                 <a:latin typeface="Freestyle Script" pitchFamily="66" charset="0"/>
               </a:rPr>
               <a:t>ry</a:t>
             </a:r>
             <a:r>
-              <a:rPr lang="fr-FR" sz="6000" b="1" dirty="0" smtClean="0">
+              <a:rPr lang="fr-FR" sz="6000" b="1" dirty="0">
                 <a:latin typeface="Freestyle Script" pitchFamily="66" charset="0"/>
               </a:rPr>
               <a:t> </a:t>
             </a:r>
             <a:r>
-              <a:rPr lang="fr-FR" sz="6000" b="1" dirty="0" err="1" smtClean="0">
+              <a:rPr lang="fr-FR" sz="6000" b="1" dirty="0" err="1">
                 <a:latin typeface="Freestyle Script" pitchFamily="66" charset="0"/>
               </a:rPr>
               <a:t>Raiko</a:t>
@@ -3182,12 +3174,8 @@
           <a:lstStyle/>
           <a:p>
             <a:r>
-              <a:rPr lang="en-GB" sz="5400" b="1" dirty="0" smtClean="0"/>
-              <a:t>1) </a:t>
-            </a:r>
-            <a:r>
-              <a:rPr lang="en-GB" sz="5400" b="1" dirty="0"/>
-              <a:t>Am-</a:t>
+              <a:rPr lang="en-GB" sz="5400" b="1" dirty="0"/>
+              <a:t>1) Am-</a:t>
             </a:r>
             <a:r>
               <a:rPr lang="en-GB" sz="5400" b="1" dirty="0" err="1"/>
@@ -3208,10 +3196,6 @@
             <a:r>
               <a:rPr lang="en-GB" sz="5400" b="1" dirty="0" err="1"/>
               <a:t>Raiko</a:t>
-            </a:r>
-            <a:r>
-              <a:rPr lang="fr-FR" sz="5400" b="1" dirty="0"/>
-              <a:t/>
             </a:r>
             <a:br>
               <a:rPr lang="fr-FR" sz="5400" b="1" dirty="0"/>
@@ -3248,10 +3232,6 @@
               <a:rPr lang="en-GB" sz="5400" b="1" dirty="0" err="1"/>
               <a:t>rehetra</a:t>
             </a:r>
-            <a:r>
-              <a:rPr lang="fr-FR" sz="5400" b="1" dirty="0"/>
-              <a:t/>
-            </a:r>
             <a:br>
               <a:rPr lang="fr-FR" sz="5400" b="1" dirty="0"/>
             </a:br>
@@ -3279,10 +3259,6 @@
               <a:rPr lang="en-GB" sz="5400" b="1" dirty="0" err="1"/>
               <a:t>mpibaiko</a:t>
             </a:r>
-            <a:r>
-              <a:rPr lang="fr-FR" sz="5400" b="1" dirty="0"/>
-              <a:t/>
-            </a:r>
             <a:br>
               <a:rPr lang="fr-FR" sz="5400" b="1" dirty="0"/>
             </a:br>
@@ -3315,7 +3291,7 @@
               <a:t> </a:t>
             </a:r>
             <a:r>
-              <a:rPr lang="en-GB" sz="5400" b="1" dirty="0" err="1" smtClean="0"/>
+              <a:rPr lang="en-GB" sz="5400" b="1" dirty="0" err="1"/>
               <a:t>mitoetra</a:t>
             </a:r>
             <a:endParaRPr lang="fr-FR" sz="5400" b="1" dirty="0"/>
@@ -3370,152 +3346,140 @@
           <a:lstStyle/>
           <a:p>
             <a:r>
-              <a:rPr lang="en-GB" sz="5400" b="1" dirty="0" err="1" smtClean="0"/>
+              <a:rPr lang="en-GB" sz="5400" b="1" dirty="0" err="1"/>
               <a:t>Ho</a:t>
             </a:r>
             <a:r>
-              <a:rPr lang="en-GB" sz="5400" b="1" dirty="0" smtClean="0"/>
-              <a:t> </a:t>
-            </a:r>
-            <a:r>
-              <a:rPr lang="en-GB" sz="5400" b="1" dirty="0" err="1" smtClean="0"/>
+              <a:rPr lang="en-GB" sz="5400" b="1" dirty="0"/>
+              <a:t> </a:t>
+            </a:r>
+            <a:r>
+              <a:rPr lang="en-GB" sz="5400" b="1" dirty="0" err="1"/>
               <a:t>andrianiko</a:t>
             </a:r>
             <a:r>
-              <a:rPr lang="en-GB" sz="5400" b="1" dirty="0" smtClean="0"/>
-              <a:t> </a:t>
-            </a:r>
-            <a:r>
-              <a:rPr lang="en-GB" sz="5400" b="1" dirty="0" err="1" smtClean="0"/>
+              <a:rPr lang="en-GB" sz="5400" b="1" dirty="0"/>
+              <a:t> </a:t>
+            </a:r>
+            <a:r>
+              <a:rPr lang="en-GB" sz="5400" b="1" dirty="0" err="1"/>
               <a:t>tokoa</a:t>
             </a:r>
-            <a:r>
-              <a:rPr lang="en-GB" sz="5400" b="1" dirty="0" smtClean="0"/>
-              <a:t/>
-            </a:r>
             <a:br>
-              <a:rPr lang="en-GB" sz="5400" b="1" dirty="0" smtClean="0"/>
+              <a:rPr lang="en-GB" sz="5400" b="1" dirty="0"/>
             </a:br>
             <a:r>
-              <a:rPr lang="en-GB" sz="5400" b="1" dirty="0" err="1" smtClean="0"/>
+              <a:rPr lang="en-GB" sz="5400" b="1" dirty="0" err="1"/>
               <a:t>Hitarika</a:t>
             </a:r>
             <a:r>
-              <a:rPr lang="en-GB" sz="5400" b="1" dirty="0" smtClean="0"/>
-              <a:t> </a:t>
-            </a:r>
-            <a:r>
-              <a:rPr lang="en-GB" sz="5400" b="1" dirty="0" err="1" smtClean="0"/>
+              <a:rPr lang="en-GB" sz="5400" b="1" dirty="0"/>
+              <a:t> </a:t>
+            </a:r>
+            <a:r>
+              <a:rPr lang="en-GB" sz="5400" b="1" dirty="0" err="1"/>
               <a:t>ahy</a:t>
             </a:r>
             <a:r>
-              <a:rPr lang="en-GB" sz="5400" b="1" dirty="0" smtClean="0"/>
-              <a:t> </a:t>
-            </a:r>
-            <a:r>
-              <a:rPr lang="en-GB" sz="5400" b="1" dirty="0" err="1" smtClean="0"/>
+              <a:rPr lang="en-GB" sz="5400" b="1" dirty="0"/>
+              <a:t> </a:t>
+            </a:r>
+            <a:r>
+              <a:rPr lang="en-GB" sz="5400" b="1" dirty="0" err="1"/>
               <a:t>hatrany</a:t>
             </a:r>
             <a:r>
-              <a:rPr lang="en-GB" sz="5400" b="1" dirty="0" smtClean="0"/>
-              <a:t> </a:t>
-            </a:r>
-            <a:r>
-              <a:rPr lang="en-GB" sz="5400" b="1" dirty="0" err="1" smtClean="0"/>
+              <a:rPr lang="en-GB" sz="5400" b="1" dirty="0"/>
+              <a:t> </a:t>
+            </a:r>
+            <a:r>
+              <a:rPr lang="en-GB" sz="5400" b="1" dirty="0" err="1"/>
               <a:t>hatrany</a:t>
             </a:r>
-            <a:r>
-              <a:rPr lang="en-GB" sz="5400" b="1" dirty="0"/>
-              <a:t/>
-            </a:r>
             <a:br>
               <a:rPr lang="en-GB" sz="5400" b="1" dirty="0"/>
             </a:br>
             <a:r>
-              <a:rPr lang="en-GB" sz="5400" b="1" dirty="0" err="1" smtClean="0"/>
+              <a:rPr lang="en-GB" sz="5400" b="1" dirty="0" err="1"/>
               <a:t>Andriafo</a:t>
             </a:r>
             <a:r>
-              <a:rPr lang="en-GB" sz="5400" b="1" dirty="0" smtClean="0"/>
-              <a:t> </a:t>
-            </a:r>
-            <a:r>
-              <a:rPr lang="en-GB" sz="5400" b="1" dirty="0" err="1" smtClean="0"/>
+              <a:rPr lang="en-GB" sz="5400" b="1" dirty="0"/>
+              <a:t> </a:t>
+            </a:r>
+            <a:r>
+              <a:rPr lang="en-GB" sz="5400" b="1" dirty="0" err="1"/>
               <a:t>tsy</a:t>
             </a:r>
             <a:r>
-              <a:rPr lang="en-GB" sz="5400" b="1" dirty="0" smtClean="0"/>
-              <a:t> </a:t>
-            </a:r>
-            <a:r>
-              <a:rPr lang="en-GB" sz="5400" b="1" dirty="0" err="1" smtClean="0"/>
+              <a:rPr lang="en-GB" sz="5400" b="1" dirty="0"/>
+              <a:t> </a:t>
+            </a:r>
+            <a:r>
+              <a:rPr lang="en-GB" sz="5400" b="1" dirty="0" err="1"/>
               <a:t>mandao</a:t>
             </a:r>
             <a:r>
-              <a:rPr lang="en-GB" sz="5400" b="1" dirty="0" smtClean="0"/>
-              <a:t> </a:t>
-            </a:r>
-            <a:r>
-              <a:rPr lang="en-GB" sz="5400" b="1" dirty="0" err="1" smtClean="0"/>
+              <a:rPr lang="en-GB" sz="5400" b="1" dirty="0"/>
+              <a:t> </a:t>
+            </a:r>
+            <a:r>
+              <a:rPr lang="en-GB" sz="5400" b="1" dirty="0" err="1"/>
               <a:t>Ianao</a:t>
             </a:r>
-            <a:r>
-              <a:rPr lang="fr-FR" sz="5400" b="1" dirty="0" smtClean="0"/>
-              <a:t/>
-            </a:r>
             <a:br>
-              <a:rPr lang="fr-FR" sz="5400" b="1" dirty="0" smtClean="0"/>
+              <a:rPr lang="fr-FR" sz="5400" b="1" dirty="0"/>
             </a:br>
             <a:r>
-              <a:rPr lang="en-GB" sz="5400" b="1" dirty="0" smtClean="0"/>
+              <a:rPr lang="en-GB" sz="5400" b="1" dirty="0"/>
               <a:t>   </a:t>
             </a:r>
             <a:r>
-              <a:rPr lang="en-GB" sz="5400" b="1" dirty="0" err="1" smtClean="0"/>
+              <a:rPr lang="en-GB" sz="5400" b="1" dirty="0" err="1"/>
               <a:t>Jesoa</a:t>
             </a:r>
             <a:r>
-              <a:rPr lang="en-GB" sz="5400" b="1" dirty="0" smtClean="0"/>
-              <a:t> </a:t>
-            </a:r>
-            <a:r>
-              <a:rPr lang="en-GB" sz="5400" b="1" dirty="0" err="1" smtClean="0"/>
+              <a:rPr lang="en-GB" sz="5400" b="1" dirty="0"/>
+              <a:t> </a:t>
+            </a:r>
+            <a:r>
+              <a:rPr lang="en-GB" sz="5400" b="1" dirty="0" err="1"/>
               <a:t>Ianao</a:t>
             </a:r>
             <a:r>
-              <a:rPr lang="en-GB" sz="5400" b="1" dirty="0" smtClean="0"/>
+              <a:rPr lang="en-GB" sz="5400" b="1" dirty="0"/>
               <a:t> no </a:t>
             </a:r>
             <a:r>
-              <a:rPr lang="en-GB" sz="5400" b="1" dirty="0" err="1" smtClean="0"/>
+              <a:rPr lang="en-GB" sz="5400" b="1" dirty="0" err="1"/>
               <a:t>hazavana</a:t>
             </a:r>
             <a:r>
-              <a:rPr lang="en-GB" sz="5400" b="1" dirty="0" smtClean="0"/>
-              <a:t> </a:t>
-            </a:r>
-            <a:r>
-              <a:rPr lang="en-GB" sz="5400" b="1" dirty="0" err="1" smtClean="0"/>
+              <a:rPr lang="en-GB" sz="5400" b="1" dirty="0"/>
+              <a:t> </a:t>
+            </a:r>
+            <a:r>
+              <a:rPr lang="en-GB" sz="5400" b="1" dirty="0" err="1"/>
               <a:t>tsy</a:t>
             </a:r>
             <a:r>
-              <a:rPr lang="en-GB" sz="5400" b="1" dirty="0" smtClean="0"/>
-              <a:t> </a:t>
-            </a:r>
-            <a:r>
-              <a:rPr lang="en-GB" sz="5400" b="1" dirty="0" err="1" smtClean="0"/>
+              <a:rPr lang="en-GB" sz="5400" b="1" dirty="0"/>
+              <a:t> </a:t>
+            </a:r>
+            <a:r>
+              <a:rPr lang="en-GB" sz="5400" b="1" dirty="0" err="1"/>
               <a:t>ho</a:t>
             </a:r>
             <a:r>
-              <a:rPr lang="en-GB" sz="5400" b="1" dirty="0" smtClean="0"/>
-              <a:t> </a:t>
-            </a:r>
-            <a:r>
-              <a:rPr lang="en-GB" sz="5400" b="1" dirty="0" err="1" smtClean="0"/>
+              <a:rPr lang="en-GB" sz="5400" b="1" dirty="0"/>
+              <a:t> </a:t>
+            </a:r>
+            <a:r>
+              <a:rPr lang="en-GB" sz="5400" b="1" dirty="0" err="1"/>
               <a:t>lany</a:t>
             </a:r>
             <a:r>
-              <a:rPr lang="en-GB" sz="5400" b="1" dirty="0" smtClean="0"/>
+              <a:rPr lang="en-GB" sz="5400" b="1" dirty="0"/>
               <a:t>  </a:t>
             </a:r>
             <a:endParaRPr lang="fr-FR" sz="5400" b="1" dirty="0"/>
@@ -3575,255 +3539,115 @@
           <a:lstStyle/>
           <a:p>
             <a:r>
-              <a:rPr lang="en-GB" sz="6000" b="1" dirty="0" smtClean="0">
-                <a:solidFill>
-                  <a:srgbClr val="FF0000"/>
-                </a:solidFill>
-              </a:rPr>
+              <a:rPr lang="en-GB" sz="6000" b="1" dirty="0"/>
               <a:t>Am-</a:t>
             </a:r>
             <a:r>
-              <a:rPr lang="en-GB" sz="6000" b="1" dirty="0" err="1" smtClean="0">
-                <a:solidFill>
-                  <a:srgbClr val="FF0000"/>
-                </a:solidFill>
-              </a:rPr>
+              <a:rPr lang="en-GB" sz="6000" b="1" dirty="0" err="1"/>
               <a:t>pelatananao</a:t>
             </a:r>
             <a:r>
-              <a:rPr lang="en-GB" sz="6000" b="1" dirty="0" smtClean="0">
-                <a:solidFill>
-                  <a:srgbClr val="FF0000"/>
-                </a:solidFill>
-              </a:rPr>
-              <a:t> </a:t>
-            </a:r>
-            <a:r>
-              <a:rPr lang="en-GB" sz="6000" b="1" dirty="0" err="1" smtClean="0">
-                <a:solidFill>
-                  <a:srgbClr val="FF0000"/>
-                </a:solidFill>
-              </a:rPr>
+              <a:rPr lang="en-GB" sz="6000" b="1" dirty="0"/>
+              <a:t> </a:t>
+            </a:r>
+            <a:r>
+              <a:rPr lang="en-GB" sz="6000" b="1" dirty="0" err="1"/>
               <a:t>ihany</a:t>
             </a:r>
-            <a:r>
-              <a:rPr lang="fr-FR" sz="6000" b="1" dirty="0" smtClean="0">
-                <a:solidFill>
-                  <a:srgbClr val="FF0000"/>
-                </a:solidFill>
-              </a:rPr>
-              <a:t/>
-            </a:r>
             <a:br>
-              <a:rPr lang="fr-FR" sz="6000" b="1" dirty="0" smtClean="0">
-                <a:solidFill>
-                  <a:srgbClr val="FF0000"/>
-                </a:solidFill>
-              </a:rPr>
+              <a:rPr lang="fr-FR" sz="6000" b="1" dirty="0"/>
             </a:br>
             <a:r>
-              <a:rPr lang="en-GB" sz="6000" b="1" dirty="0" smtClean="0">
-                <a:solidFill>
-                  <a:srgbClr val="FF0000"/>
-                </a:solidFill>
-              </a:rPr>
+              <a:rPr lang="en-GB" sz="6000" b="1" dirty="0"/>
               <a:t>   </a:t>
             </a:r>
             <a:r>
-              <a:rPr lang="en-GB" sz="6000" b="1" dirty="0" err="1" smtClean="0">
-                <a:solidFill>
-                  <a:srgbClr val="FF0000"/>
-                </a:solidFill>
-              </a:rPr>
+              <a:rPr lang="en-GB" sz="6000" b="1" dirty="0" err="1"/>
               <a:t>Mandrakizay</a:t>
             </a:r>
             <a:r>
-              <a:rPr lang="en-GB" sz="6000" b="1" dirty="0" smtClean="0">
-                <a:solidFill>
-                  <a:srgbClr val="FF0000"/>
-                </a:solidFill>
-              </a:rPr>
-              <a:t> </a:t>
-            </a:r>
-            <a:r>
-              <a:rPr lang="en-GB" sz="6000" b="1" dirty="0" err="1" smtClean="0">
-                <a:solidFill>
-                  <a:srgbClr val="FF0000"/>
-                </a:solidFill>
-              </a:rPr>
+              <a:rPr lang="en-GB" sz="6000" b="1" dirty="0"/>
+              <a:t> </a:t>
+            </a:r>
+            <a:r>
+              <a:rPr lang="en-GB" sz="6000" b="1" dirty="0" err="1"/>
               <a:t>doria</a:t>
             </a:r>
             <a:r>
-              <a:rPr lang="en-GB" sz="6000" b="1" dirty="0" smtClean="0">
-                <a:solidFill>
-                  <a:srgbClr val="FF0000"/>
-                </a:solidFill>
-              </a:rPr>
-              <a:t> </a:t>
-            </a:r>
-            <a:r>
-              <a:rPr lang="en-GB" sz="6000" b="1" dirty="0" err="1" smtClean="0">
-                <a:solidFill>
-                  <a:srgbClr val="FF0000"/>
-                </a:solidFill>
-              </a:rPr>
+              <a:rPr lang="en-GB" sz="6000" b="1" dirty="0"/>
+              <a:t> </a:t>
+            </a:r>
+            <a:r>
+              <a:rPr lang="en-GB" sz="6000" b="1" dirty="0" err="1"/>
               <a:t>doria</a:t>
             </a:r>
-            <a:r>
-              <a:rPr lang="fr-FR" sz="6000" b="1" dirty="0" smtClean="0">
-                <a:solidFill>
-                  <a:srgbClr val="FF0000"/>
-                </a:solidFill>
-              </a:rPr>
-              <a:t/>
-            </a:r>
             <a:br>
-              <a:rPr lang="fr-FR" sz="6000" b="1" dirty="0" smtClean="0">
-                <a:solidFill>
-                  <a:srgbClr val="FF0000"/>
-                </a:solidFill>
-              </a:rPr>
+              <a:rPr lang="fr-FR" sz="6000" b="1" dirty="0"/>
             </a:br>
             <a:r>
-              <a:rPr lang="en-GB" sz="6000" b="1" dirty="0" smtClean="0">
-                <a:solidFill>
-                  <a:srgbClr val="FF0000"/>
-                </a:solidFill>
-              </a:rPr>
+              <a:rPr lang="en-GB" sz="6000" b="1" dirty="0"/>
               <a:t>   Na </a:t>
             </a:r>
             <a:r>
-              <a:rPr lang="en-GB" sz="6000" b="1" dirty="0" err="1" smtClean="0">
-                <a:solidFill>
-                  <a:srgbClr val="FF0000"/>
-                </a:solidFill>
-              </a:rPr>
+              <a:rPr lang="en-GB" sz="6000" b="1" dirty="0" err="1"/>
               <a:t>ny</a:t>
             </a:r>
             <a:r>
-              <a:rPr lang="en-GB" sz="6000" b="1" dirty="0" smtClean="0">
-                <a:solidFill>
-                  <a:srgbClr val="FF0000"/>
-                </a:solidFill>
-              </a:rPr>
-              <a:t> </a:t>
-            </a:r>
-            <a:r>
-              <a:rPr lang="en-GB" sz="6000" b="1" dirty="0" err="1" smtClean="0">
-                <a:solidFill>
-                  <a:srgbClr val="FF0000"/>
-                </a:solidFill>
-              </a:rPr>
+              <a:rPr lang="en-GB" sz="6000" b="1" dirty="0"/>
+              <a:t> </a:t>
+            </a:r>
+            <a:r>
+              <a:rPr lang="en-GB" sz="6000" b="1" dirty="0" err="1"/>
               <a:t>fiainako</a:t>
             </a:r>
             <a:r>
-              <a:rPr lang="en-GB" sz="6000" b="1" dirty="0" smtClean="0">
-                <a:solidFill>
-                  <a:srgbClr val="FF0000"/>
-                </a:solidFill>
-              </a:rPr>
-              <a:t> </a:t>
-            </a:r>
-            <a:r>
-              <a:rPr lang="en-GB" sz="6000" b="1" dirty="0" err="1" smtClean="0">
-                <a:solidFill>
-                  <a:srgbClr val="FF0000"/>
-                </a:solidFill>
-              </a:rPr>
+              <a:rPr lang="en-GB" sz="6000" b="1" dirty="0"/>
+              <a:t> </a:t>
+            </a:r>
+            <a:r>
+              <a:rPr lang="en-GB" sz="6000" b="1" dirty="0" err="1"/>
               <a:t>eto</a:t>
             </a:r>
             <a:r>
-              <a:rPr lang="en-GB" sz="6000" b="1" dirty="0" smtClean="0">
-                <a:solidFill>
-                  <a:srgbClr val="FF0000"/>
-                </a:solidFill>
-              </a:rPr>
+              <a:rPr lang="en-GB" sz="6000" b="1" dirty="0"/>
               <a:t> an-</a:t>
             </a:r>
             <a:r>
-              <a:rPr lang="en-GB" sz="6000" b="1" dirty="0" err="1" smtClean="0">
-                <a:solidFill>
-                  <a:srgbClr val="FF0000"/>
-                </a:solidFill>
-              </a:rPr>
+              <a:rPr lang="en-GB" sz="6000" b="1" dirty="0" err="1"/>
               <a:t>tany</a:t>
             </a:r>
-            <a:r>
-              <a:rPr lang="fr-FR" sz="6000" b="1" dirty="0" smtClean="0">
-                <a:solidFill>
-                  <a:srgbClr val="FF0000"/>
-                </a:solidFill>
-              </a:rPr>
-              <a:t/>
-            </a:r>
             <a:br>
-              <a:rPr lang="fr-FR" sz="6000" b="1" dirty="0" smtClean="0">
-                <a:solidFill>
-                  <a:srgbClr val="FF0000"/>
-                </a:solidFill>
-              </a:rPr>
+              <a:rPr lang="fr-FR" sz="6000" b="1" dirty="0"/>
             </a:br>
             <a:r>
-              <a:rPr lang="en-GB" sz="6000" b="1" dirty="0" smtClean="0">
-                <a:solidFill>
-                  <a:srgbClr val="FF0000"/>
-                </a:solidFill>
-              </a:rPr>
+              <a:rPr lang="en-GB" sz="6000" b="1" dirty="0"/>
               <a:t>   Na </a:t>
             </a:r>
             <a:r>
-              <a:rPr lang="en-GB" sz="6000" b="1" dirty="0" err="1" smtClean="0">
-                <a:solidFill>
-                  <a:srgbClr val="FF0000"/>
-                </a:solidFill>
-              </a:rPr>
+              <a:rPr lang="en-GB" sz="6000" b="1" dirty="0" err="1"/>
               <a:t>hatrarý</a:t>
             </a:r>
             <a:r>
-              <a:rPr lang="en-GB" sz="6000" b="1" dirty="0" smtClean="0">
-                <a:solidFill>
-                  <a:srgbClr val="FF0000"/>
-                </a:solidFill>
-              </a:rPr>
-              <a:t> </a:t>
-            </a:r>
-            <a:r>
-              <a:rPr lang="en-GB" sz="6000" b="1" dirty="0" err="1" smtClean="0">
-                <a:solidFill>
-                  <a:srgbClr val="FF0000"/>
-                </a:solidFill>
-              </a:rPr>
+              <a:rPr lang="en-GB" sz="6000" b="1" dirty="0"/>
+              <a:t> </a:t>
+            </a:r>
+            <a:r>
+              <a:rPr lang="en-GB" sz="6000" b="1" dirty="0" err="1"/>
               <a:t>ankoatra</a:t>
             </a:r>
             <a:r>
-              <a:rPr lang="en-GB" sz="6000" b="1" dirty="0" smtClean="0">
-                <a:solidFill>
-                  <a:srgbClr val="FF0000"/>
-                </a:solidFill>
-              </a:rPr>
-              <a:t> </a:t>
-            </a:r>
-            <a:r>
-              <a:rPr lang="en-GB" sz="6000" b="1" dirty="0" err="1" smtClean="0">
-                <a:solidFill>
-                  <a:srgbClr val="FF0000"/>
-                </a:solidFill>
-              </a:rPr>
+              <a:rPr lang="en-GB" sz="6000" b="1" dirty="0"/>
+              <a:t> </a:t>
+            </a:r>
+            <a:r>
+              <a:rPr lang="en-GB" sz="6000" b="1" dirty="0" err="1"/>
               <a:t>arý</a:t>
             </a:r>
             <a:r>
-              <a:rPr lang="en-GB" sz="6000" b="1" dirty="0" smtClean="0">
-                <a:solidFill>
-                  <a:srgbClr val="FF0000"/>
-                </a:solidFill>
-              </a:rPr>
+              <a:rPr lang="en-GB" sz="6000" b="1" dirty="0"/>
               <a:t>.</a:t>
             </a:r>
-            <a:endParaRPr lang="fr-FR" sz="6000" b="1" dirty="0">
-              <a:solidFill>
-                <a:srgbClr val="FF0000"/>
-              </a:solidFill>
-            </a:endParaRPr>
+            <a:endParaRPr lang="fr-FR" sz="6000" b="1" dirty="0"/>
           </a:p>
         </p:txBody>
       </p:sp>
@@ -3875,7 +3699,7 @@
           <a:lstStyle/>
           <a:p>
             <a:r>
-              <a:rPr lang="en-GB" sz="5400" b="1" dirty="0" smtClean="0"/>
+              <a:rPr lang="en-GB" sz="5400" b="1" dirty="0"/>
               <a:t>2) </a:t>
             </a:r>
             <a:r>
@@ -3892,29 +3716,21 @@
             </a:r>
             <a:r>
               <a:rPr lang="en-GB" sz="5400" b="1" dirty="0"/>
-              <a:t> </a:t>
-            </a:r>
-            <a:r>
-              <a:rPr lang="en-GB" sz="5400" b="1" dirty="0" smtClean="0"/>
-              <a:t>am-</a:t>
-            </a:r>
-            <a:r>
-              <a:rPr lang="en-GB" sz="5400" b="1" dirty="0" err="1" smtClean="0"/>
+              <a:t> am-</a:t>
+            </a:r>
+            <a:r>
+              <a:rPr lang="en-GB" sz="5400" b="1" dirty="0" err="1"/>
               <a:t>pelatananao</a:t>
             </a:r>
-            <a:r>
-              <a:rPr lang="en-GB" sz="5400" b="1" dirty="0" smtClean="0"/>
-              <a:t/>
-            </a:r>
             <a:br>
-              <a:rPr lang="en-GB" sz="5400" b="1" dirty="0" smtClean="0"/>
+              <a:rPr lang="en-GB" sz="5400" b="1" dirty="0"/>
             </a:br>
             <a:r>
-              <a:rPr lang="en-GB" sz="5400" b="1" dirty="0" err="1" smtClean="0"/>
+              <a:rPr lang="en-GB" sz="5400" b="1" dirty="0" err="1"/>
               <a:t>Ny</a:t>
             </a:r>
             <a:r>
-              <a:rPr lang="en-GB" sz="5400" b="1" dirty="0" smtClean="0"/>
+              <a:rPr lang="en-GB" sz="5400" b="1" dirty="0"/>
               <a:t> </a:t>
             </a:r>
             <a:r>
@@ -3952,10 +3768,6 @@
             <a:r>
               <a:rPr lang="en-GB" sz="5400" b="1" dirty="0" err="1"/>
               <a:t>intsony</a:t>
-            </a:r>
-            <a:r>
-              <a:rPr lang="fr-FR" sz="5400" b="1" dirty="0"/>
-              <a:t/>
             </a:r>
             <a:br>
               <a:rPr lang="fr-FR" sz="5400" b="1" dirty="0"/>
@@ -3984,10 +3796,6 @@
               <a:rPr lang="en-GB" sz="5400" b="1" dirty="0" err="1"/>
               <a:t>vaovao</a:t>
             </a:r>
-            <a:r>
-              <a:rPr lang="fr-FR" sz="5400" b="1" dirty="0"/>
-              <a:t/>
-            </a:r>
             <a:br>
               <a:rPr lang="fr-FR" sz="5400" b="1" dirty="0"/>
             </a:br>
@@ -4020,11 +3828,11 @@
               <a:t> Ray </a:t>
             </a:r>
             <a:r>
-              <a:rPr lang="en-GB" sz="5400" b="1" dirty="0" err="1" smtClean="0"/>
+              <a:rPr lang="en-GB" sz="5400" b="1" dirty="0" err="1"/>
               <a:t>ambony</a:t>
             </a:r>
             <a:r>
-              <a:rPr lang="en-GB" sz="5400" b="1" dirty="0" smtClean="0"/>
+              <a:rPr lang="en-GB" sz="5400" b="1" dirty="0"/>
               <a:t>   </a:t>
             </a:r>
             <a:endParaRPr lang="fr-FR" sz="5400" b="1" dirty="0"/>
@@ -4079,65 +3887,57 @@
           <a:lstStyle/>
           <a:p>
             <a:r>
-              <a:rPr lang="en-GB" sz="6000" b="1" dirty="0" err="1" smtClean="0"/>
+              <a:rPr lang="en-GB" sz="6000" b="1" dirty="0" err="1"/>
               <a:t>Ny</a:t>
             </a:r>
             <a:r>
-              <a:rPr lang="en-GB" sz="6000" b="1" dirty="0" smtClean="0"/>
-              <a:t> </a:t>
-            </a:r>
-            <a:r>
-              <a:rPr lang="en-GB" sz="6000" b="1" dirty="0" err="1" smtClean="0"/>
+              <a:rPr lang="en-GB" sz="6000" b="1" dirty="0"/>
+              <a:t> </a:t>
+            </a:r>
+            <a:r>
+              <a:rPr lang="en-GB" sz="6000" b="1" dirty="0" err="1"/>
               <a:t>hasambarako</a:t>
             </a:r>
             <a:r>
-              <a:rPr lang="en-GB" sz="6000" b="1" dirty="0" smtClean="0"/>
-              <a:t> </a:t>
-            </a:r>
-            <a:r>
-              <a:rPr lang="en-GB" sz="6000" b="1" dirty="0" err="1" smtClean="0"/>
+              <a:rPr lang="en-GB" sz="6000" b="1" dirty="0"/>
+              <a:t> </a:t>
+            </a:r>
+            <a:r>
+              <a:rPr lang="en-GB" sz="6000" b="1" dirty="0" err="1"/>
               <a:t>ombieny</a:t>
             </a:r>
-            <a:r>
-              <a:rPr lang="en-GB" sz="6000" b="1" dirty="0" smtClean="0"/>
-              <a:t/>
-            </a:r>
             <a:br>
-              <a:rPr lang="en-GB" sz="6000" b="1" dirty="0" smtClean="0"/>
+              <a:rPr lang="en-GB" sz="6000" b="1" dirty="0"/>
             </a:br>
             <a:r>
-              <a:rPr lang="en-GB" sz="6000" b="1" dirty="0" err="1" smtClean="0"/>
+              <a:rPr lang="en-GB" sz="6000" b="1" dirty="0" err="1"/>
               <a:t>mifaly</a:t>
             </a:r>
             <a:r>
-              <a:rPr lang="en-GB" sz="6000" b="1" dirty="0" smtClean="0"/>
-              <a:t> </a:t>
-            </a:r>
-            <a:r>
-              <a:rPr lang="en-GB" sz="6000" b="1" dirty="0" err="1" smtClean="0"/>
+              <a:rPr lang="en-GB" sz="6000" b="1" dirty="0"/>
+              <a:t> </a:t>
+            </a:r>
+            <a:r>
+              <a:rPr lang="en-GB" sz="6000" b="1" dirty="0" err="1"/>
               <a:t>manana</a:t>
             </a:r>
             <a:r>
-              <a:rPr lang="en-GB" sz="6000" b="1" dirty="0" smtClean="0"/>
-              <a:t> </a:t>
-            </a:r>
-            <a:r>
-              <a:rPr lang="en-GB" sz="6000" b="1" dirty="0" err="1" smtClean="0"/>
+              <a:rPr lang="en-GB" sz="6000" b="1" dirty="0"/>
+              <a:t> </a:t>
+            </a:r>
+            <a:r>
+              <a:rPr lang="en-GB" sz="6000" b="1" dirty="0" err="1"/>
               <a:t>anao</a:t>
             </a:r>
-            <a:r>
-              <a:rPr lang="en-GB" sz="6000" b="1" dirty="0" smtClean="0"/>
-              <a:t/>
-            </a:r>
             <a:br>
-              <a:rPr lang="en-GB" sz="6000" b="1" dirty="0" smtClean="0"/>
+              <a:rPr lang="en-GB" sz="6000" b="1" dirty="0"/>
             </a:br>
             <a:r>
-              <a:rPr lang="en-GB" sz="6000" b="1" dirty="0" err="1" smtClean="0"/>
+              <a:rPr lang="en-GB" sz="6000" b="1" dirty="0" err="1"/>
               <a:t>Ilay</a:t>
             </a:r>
             <a:r>
-              <a:rPr lang="en-GB" sz="6000" b="1" dirty="0" smtClean="0"/>
+              <a:rPr lang="en-GB" sz="6000" b="1" dirty="0"/>
               <a:t> </a:t>
             </a:r>
             <a:r>
@@ -4151,10 +3951,6 @@
             <a:r>
               <a:rPr lang="en-GB" sz="6000" b="1" dirty="0" err="1"/>
               <a:t>mpanjeninjeny</a:t>
-            </a:r>
-            <a:r>
-              <a:rPr lang="fr-FR" sz="6000" b="1" dirty="0"/>
-              <a:t/>
             </a:r>
             <a:br>
               <a:rPr lang="fr-FR" sz="6000" b="1" dirty="0"/>
@@ -4180,11 +3976,11 @@
               <a:t> </a:t>
             </a:r>
             <a:r>
-              <a:rPr lang="en-GB" sz="6000" b="1" dirty="0" err="1" smtClean="0"/>
+              <a:rPr lang="en-GB" sz="6000" b="1" dirty="0" err="1"/>
               <a:t>ao</a:t>
             </a:r>
             <a:r>
-              <a:rPr lang="en-GB" sz="6000" b="1" dirty="0" smtClean="0"/>
+              <a:rPr lang="en-GB" sz="6000" b="1" dirty="0"/>
               <a:t>  </a:t>
             </a:r>
             <a:endParaRPr lang="fr-FR" sz="6000" b="1" dirty="0"/>
@@ -4239,255 +4035,115 @@
           <a:lstStyle/>
           <a:p>
             <a:r>
-              <a:rPr lang="en-GB" sz="6000" b="1" dirty="0" smtClean="0">
-                <a:solidFill>
-                  <a:srgbClr val="FF0000"/>
-                </a:solidFill>
-              </a:rPr>
+              <a:rPr lang="en-GB" sz="6000" b="1" dirty="0"/>
               <a:t>Am-</a:t>
             </a:r>
             <a:r>
-              <a:rPr lang="en-GB" sz="6000" b="1" dirty="0" err="1" smtClean="0">
-                <a:solidFill>
-                  <a:srgbClr val="FF0000"/>
-                </a:solidFill>
-              </a:rPr>
+              <a:rPr lang="en-GB" sz="6000" b="1" dirty="0" err="1"/>
               <a:t>pelatananao</a:t>
             </a:r>
             <a:r>
-              <a:rPr lang="en-GB" sz="6000" b="1" dirty="0" smtClean="0">
-                <a:solidFill>
-                  <a:srgbClr val="FF0000"/>
-                </a:solidFill>
-              </a:rPr>
-              <a:t> </a:t>
-            </a:r>
-            <a:r>
-              <a:rPr lang="en-GB" sz="6000" b="1" dirty="0" err="1" smtClean="0">
-                <a:solidFill>
-                  <a:srgbClr val="FF0000"/>
-                </a:solidFill>
-              </a:rPr>
+              <a:rPr lang="en-GB" sz="6000" b="1" dirty="0"/>
+              <a:t> </a:t>
+            </a:r>
+            <a:r>
+              <a:rPr lang="en-GB" sz="6000" b="1" dirty="0" err="1"/>
               <a:t>ihany</a:t>
             </a:r>
-            <a:r>
-              <a:rPr lang="fr-FR" sz="6000" b="1" dirty="0" smtClean="0">
-                <a:solidFill>
-                  <a:srgbClr val="FF0000"/>
-                </a:solidFill>
-              </a:rPr>
-              <a:t/>
-            </a:r>
             <a:br>
-              <a:rPr lang="fr-FR" sz="6000" b="1" dirty="0" smtClean="0">
-                <a:solidFill>
-                  <a:srgbClr val="FF0000"/>
-                </a:solidFill>
-              </a:rPr>
+              <a:rPr lang="fr-FR" sz="6000" b="1" dirty="0"/>
             </a:br>
             <a:r>
-              <a:rPr lang="en-GB" sz="6000" b="1" dirty="0" smtClean="0">
-                <a:solidFill>
-                  <a:srgbClr val="FF0000"/>
-                </a:solidFill>
-              </a:rPr>
+              <a:rPr lang="en-GB" sz="6000" b="1" dirty="0"/>
               <a:t>   </a:t>
             </a:r>
             <a:r>
-              <a:rPr lang="en-GB" sz="6000" b="1" dirty="0" err="1" smtClean="0">
-                <a:solidFill>
-                  <a:srgbClr val="FF0000"/>
-                </a:solidFill>
-              </a:rPr>
+              <a:rPr lang="en-GB" sz="6000" b="1" dirty="0" err="1"/>
               <a:t>Mandrakizay</a:t>
             </a:r>
             <a:r>
-              <a:rPr lang="en-GB" sz="6000" b="1" dirty="0" smtClean="0">
-                <a:solidFill>
-                  <a:srgbClr val="FF0000"/>
-                </a:solidFill>
-              </a:rPr>
-              <a:t> </a:t>
-            </a:r>
-            <a:r>
-              <a:rPr lang="en-GB" sz="6000" b="1" dirty="0" err="1" smtClean="0">
-                <a:solidFill>
-                  <a:srgbClr val="FF0000"/>
-                </a:solidFill>
-              </a:rPr>
+              <a:rPr lang="en-GB" sz="6000" b="1" dirty="0"/>
+              <a:t> </a:t>
+            </a:r>
+            <a:r>
+              <a:rPr lang="en-GB" sz="6000" b="1" dirty="0" err="1"/>
               <a:t>doria</a:t>
             </a:r>
             <a:r>
-              <a:rPr lang="en-GB" sz="6000" b="1" dirty="0" smtClean="0">
-                <a:solidFill>
-                  <a:srgbClr val="FF0000"/>
-                </a:solidFill>
-              </a:rPr>
-              <a:t> </a:t>
-            </a:r>
-            <a:r>
-              <a:rPr lang="en-GB" sz="6000" b="1" dirty="0" err="1" smtClean="0">
-                <a:solidFill>
-                  <a:srgbClr val="FF0000"/>
-                </a:solidFill>
-              </a:rPr>
+              <a:rPr lang="en-GB" sz="6000" b="1" dirty="0"/>
+              <a:t> </a:t>
+            </a:r>
+            <a:r>
+              <a:rPr lang="en-GB" sz="6000" b="1" dirty="0" err="1"/>
               <a:t>doria</a:t>
             </a:r>
-            <a:r>
-              <a:rPr lang="fr-FR" sz="6000" b="1" dirty="0" smtClean="0">
-                <a:solidFill>
-                  <a:srgbClr val="FF0000"/>
-                </a:solidFill>
-              </a:rPr>
-              <a:t/>
-            </a:r>
             <a:br>
-              <a:rPr lang="fr-FR" sz="6000" b="1" dirty="0" smtClean="0">
-                <a:solidFill>
-                  <a:srgbClr val="FF0000"/>
-                </a:solidFill>
-              </a:rPr>
+              <a:rPr lang="fr-FR" sz="6000" b="1" dirty="0"/>
             </a:br>
             <a:r>
-              <a:rPr lang="en-GB" sz="6000" b="1" dirty="0" smtClean="0">
-                <a:solidFill>
-                  <a:srgbClr val="FF0000"/>
-                </a:solidFill>
-              </a:rPr>
+              <a:rPr lang="en-GB" sz="6000" b="1" dirty="0"/>
               <a:t>   Na </a:t>
             </a:r>
             <a:r>
-              <a:rPr lang="en-GB" sz="6000" b="1" dirty="0" err="1" smtClean="0">
-                <a:solidFill>
-                  <a:srgbClr val="FF0000"/>
-                </a:solidFill>
-              </a:rPr>
+              <a:rPr lang="en-GB" sz="6000" b="1" dirty="0" err="1"/>
               <a:t>ny</a:t>
             </a:r>
             <a:r>
-              <a:rPr lang="en-GB" sz="6000" b="1" dirty="0" smtClean="0">
-                <a:solidFill>
-                  <a:srgbClr val="FF0000"/>
-                </a:solidFill>
-              </a:rPr>
-              <a:t> </a:t>
-            </a:r>
-            <a:r>
-              <a:rPr lang="en-GB" sz="6000" b="1" dirty="0" err="1" smtClean="0">
-                <a:solidFill>
-                  <a:srgbClr val="FF0000"/>
-                </a:solidFill>
-              </a:rPr>
+              <a:rPr lang="en-GB" sz="6000" b="1" dirty="0"/>
+              <a:t> </a:t>
+            </a:r>
+            <a:r>
+              <a:rPr lang="en-GB" sz="6000" b="1" dirty="0" err="1"/>
               <a:t>fiainako</a:t>
             </a:r>
             <a:r>
-              <a:rPr lang="en-GB" sz="6000" b="1" dirty="0" smtClean="0">
-                <a:solidFill>
-                  <a:srgbClr val="FF0000"/>
-                </a:solidFill>
-              </a:rPr>
-              <a:t> </a:t>
-            </a:r>
-            <a:r>
-              <a:rPr lang="en-GB" sz="6000" b="1" dirty="0" err="1" smtClean="0">
-                <a:solidFill>
-                  <a:srgbClr val="FF0000"/>
-                </a:solidFill>
-              </a:rPr>
+              <a:rPr lang="en-GB" sz="6000" b="1" dirty="0"/>
+              <a:t> </a:t>
+            </a:r>
+            <a:r>
+              <a:rPr lang="en-GB" sz="6000" b="1" dirty="0" err="1"/>
               <a:t>eto</a:t>
             </a:r>
             <a:r>
-              <a:rPr lang="en-GB" sz="6000" b="1" dirty="0" smtClean="0">
-                <a:solidFill>
-                  <a:srgbClr val="FF0000"/>
-                </a:solidFill>
-              </a:rPr>
+              <a:rPr lang="en-GB" sz="6000" b="1" dirty="0"/>
               <a:t> an-</a:t>
             </a:r>
             <a:r>
-              <a:rPr lang="en-GB" sz="6000" b="1" dirty="0" err="1" smtClean="0">
-                <a:solidFill>
-                  <a:srgbClr val="FF0000"/>
-                </a:solidFill>
-              </a:rPr>
+              <a:rPr lang="en-GB" sz="6000" b="1" dirty="0" err="1"/>
               <a:t>tany</a:t>
             </a:r>
-            <a:r>
-              <a:rPr lang="fr-FR" sz="6000" b="1" dirty="0" smtClean="0">
-                <a:solidFill>
-                  <a:srgbClr val="FF0000"/>
-                </a:solidFill>
-              </a:rPr>
-              <a:t/>
-            </a:r>
             <a:br>
-              <a:rPr lang="fr-FR" sz="6000" b="1" dirty="0" smtClean="0">
-                <a:solidFill>
-                  <a:srgbClr val="FF0000"/>
-                </a:solidFill>
-              </a:rPr>
+              <a:rPr lang="fr-FR" sz="6000" b="1" dirty="0"/>
             </a:br>
             <a:r>
-              <a:rPr lang="en-GB" sz="6000" b="1" dirty="0" smtClean="0">
-                <a:solidFill>
-                  <a:srgbClr val="FF0000"/>
-                </a:solidFill>
-              </a:rPr>
+              <a:rPr lang="en-GB" sz="6000" b="1" dirty="0"/>
               <a:t>   Na </a:t>
             </a:r>
             <a:r>
-              <a:rPr lang="en-GB" sz="6000" b="1" dirty="0" err="1" smtClean="0">
-                <a:solidFill>
-                  <a:srgbClr val="FF0000"/>
-                </a:solidFill>
-              </a:rPr>
+              <a:rPr lang="en-GB" sz="6000" b="1" dirty="0" err="1"/>
               <a:t>hatrarý</a:t>
             </a:r>
             <a:r>
-              <a:rPr lang="en-GB" sz="6000" b="1" dirty="0" smtClean="0">
-                <a:solidFill>
-                  <a:srgbClr val="FF0000"/>
-                </a:solidFill>
-              </a:rPr>
-              <a:t> </a:t>
-            </a:r>
-            <a:r>
-              <a:rPr lang="en-GB" sz="6000" b="1" dirty="0" err="1" smtClean="0">
-                <a:solidFill>
-                  <a:srgbClr val="FF0000"/>
-                </a:solidFill>
-              </a:rPr>
+              <a:rPr lang="en-GB" sz="6000" b="1" dirty="0"/>
+              <a:t> </a:t>
+            </a:r>
+            <a:r>
+              <a:rPr lang="en-GB" sz="6000" b="1" dirty="0" err="1"/>
               <a:t>ankoatra</a:t>
             </a:r>
             <a:r>
-              <a:rPr lang="en-GB" sz="6000" b="1" dirty="0" smtClean="0">
-                <a:solidFill>
-                  <a:srgbClr val="FF0000"/>
-                </a:solidFill>
-              </a:rPr>
-              <a:t> </a:t>
-            </a:r>
-            <a:r>
-              <a:rPr lang="en-GB" sz="6000" b="1" dirty="0" err="1" smtClean="0">
-                <a:solidFill>
-                  <a:srgbClr val="FF0000"/>
-                </a:solidFill>
-              </a:rPr>
+              <a:rPr lang="en-GB" sz="6000" b="1" dirty="0"/>
+              <a:t> </a:t>
+            </a:r>
+            <a:r>
+              <a:rPr lang="en-GB" sz="6000" b="1" dirty="0" err="1"/>
               <a:t>arý</a:t>
             </a:r>
             <a:r>
-              <a:rPr lang="en-GB" sz="6000" b="1" dirty="0" smtClean="0">
-                <a:solidFill>
-                  <a:srgbClr val="FF0000"/>
-                </a:solidFill>
-              </a:rPr>
+              <a:rPr lang="en-GB" sz="6000" b="1" dirty="0"/>
               <a:t>.</a:t>
             </a:r>
-            <a:endParaRPr lang="fr-FR" sz="6000" b="1" dirty="0">
-              <a:solidFill>
-                <a:srgbClr val="FF0000"/>
-              </a:solidFill>
-            </a:endParaRPr>
+            <a:endParaRPr lang="fr-FR" sz="6000" b="1" dirty="0"/>
           </a:p>
         </p:txBody>
       </p:sp>
